--- a/docs/Peppol Practical.pptx
+++ b/docs/Peppol Practical.pptx
@@ -11,7 +11,7 @@
     <p:sldId id="258" r:id="rId5"/>
     <p:sldId id="262" r:id="rId6"/>
   </p:sldIdLst>
-  <p:sldSz cx="9144000" cy="6858000" type="screen4x3"/>
+  <p:sldSz cx="12192000" cy="6858000"/>
   <p:notesSz cx="6858000" cy="9144000"/>
   <p:defaultTextStyle>
     <a:defPPr>
@@ -111,12 +111,12 @@
   <p:extLst>
     <p:ext uri="{EFAFB233-063F-42B5-8137-9DF3F51BA10A}">
       <p15:sldGuideLst xmlns:p15="http://schemas.microsoft.com/office/powerpoint/2012/main">
-        <p15:guide id="1" orient="horz" pos="2160">
+        <p15:guide id="1" orient="horz" pos="2160" userDrawn="1">
           <p15:clr>
             <a:srgbClr val="A4A3A4"/>
           </p15:clr>
         </p15:guide>
-        <p15:guide id="2" pos="2880">
+        <p15:guide id="2" pos="3840" userDrawn="1">
           <p15:clr>
             <a:srgbClr val="A4A3A4"/>
           </p15:clr>
@@ -156,8 +156,8 @@
         </p:nvSpPr>
         <p:spPr>
           <a:xfrm>
-            <a:off x="685800" y="2130425"/>
-            <a:ext cx="7772400" cy="1470025"/>
+            <a:off x="914400" y="2130426"/>
+            <a:ext cx="10363200" cy="1470025"/>
           </a:xfrm>
         </p:spPr>
         <p:txBody>
@@ -184,8 +184,8 @@
         </p:nvSpPr>
         <p:spPr>
           <a:xfrm>
-            <a:off x="1371600" y="3886200"/>
-            <a:ext cx="6400800" cy="1752600"/>
+            <a:off x="1828800" y="3886200"/>
+            <a:ext cx="8534400" cy="1752600"/>
           </a:xfrm>
         </p:spPr>
         <p:txBody>
@@ -309,7 +309,7 @@
             <a:fld id="{80F9A3F1-91AA-4A03-9A50-C623FA2DD738}" type="datetimeFigureOut">
               <a:rPr lang="de-AT" smtClean="0"/>
               <a:pPr/>
-              <a:t>12.11.2021</a:t>
+              <a:t>28.01.26</a:t>
             </a:fld>
             <a:endParaRPr lang="de-AT"/>
           </a:p>
@@ -476,7 +476,7 @@
             <a:fld id="{80F9A3F1-91AA-4A03-9A50-C623FA2DD738}" type="datetimeFigureOut">
               <a:rPr lang="de-AT" smtClean="0"/>
               <a:pPr/>
-              <a:t>12.11.2021</a:t>
+              <a:t>28.01.26</a:t>
             </a:fld>
             <a:endParaRPr lang="de-AT"/>
           </a:p>
@@ -562,8 +562,8 @@
         </p:nvSpPr>
         <p:spPr>
           <a:xfrm>
-            <a:off x="6629400" y="274638"/>
-            <a:ext cx="2057400" cy="5851525"/>
+            <a:off x="8839200" y="274639"/>
+            <a:ext cx="2743200" cy="5851525"/>
           </a:xfrm>
         </p:spPr>
         <p:txBody>
@@ -590,8 +590,8 @@
         </p:nvSpPr>
         <p:spPr>
           <a:xfrm>
-            <a:off x="457200" y="274638"/>
-            <a:ext cx="6019800" cy="5851525"/>
+            <a:off x="609600" y="274639"/>
+            <a:ext cx="8026400" cy="5851525"/>
           </a:xfrm>
         </p:spPr>
         <p:txBody>
@@ -653,7 +653,7 @@
             <a:fld id="{80F9A3F1-91AA-4A03-9A50-C623FA2DD738}" type="datetimeFigureOut">
               <a:rPr lang="de-AT" smtClean="0"/>
               <a:pPr/>
-              <a:t>12.11.2021</a:t>
+              <a:t>28.01.26</a:t>
             </a:fld>
             <a:endParaRPr lang="de-AT"/>
           </a:p>
@@ -820,7 +820,7 @@
             <a:fld id="{80F9A3F1-91AA-4A03-9A50-C623FA2DD738}" type="datetimeFigureOut">
               <a:rPr lang="de-AT" smtClean="0"/>
               <a:pPr/>
-              <a:t>12.11.2021</a:t>
+              <a:t>28.01.26</a:t>
             </a:fld>
             <a:endParaRPr lang="de-AT"/>
           </a:p>
@@ -906,8 +906,8 @@
         </p:nvSpPr>
         <p:spPr>
           <a:xfrm>
-            <a:off x="722313" y="4406900"/>
-            <a:ext cx="7772400" cy="1362075"/>
+            <a:off x="963084" y="4406901"/>
+            <a:ext cx="10363200" cy="1362075"/>
           </a:xfrm>
         </p:spPr>
         <p:txBody>
@@ -938,8 +938,8 @@
         </p:nvSpPr>
         <p:spPr>
           <a:xfrm>
-            <a:off x="722313" y="2906713"/>
-            <a:ext cx="7772400" cy="1500187"/>
+            <a:off x="963084" y="2906713"/>
+            <a:ext cx="10363200" cy="1500187"/>
           </a:xfrm>
         </p:spPr>
         <p:txBody>
@@ -1063,7 +1063,7 @@
             <a:fld id="{80F9A3F1-91AA-4A03-9A50-C623FA2DD738}" type="datetimeFigureOut">
               <a:rPr lang="de-AT" smtClean="0"/>
               <a:pPr/>
-              <a:t>12.11.2021</a:t>
+              <a:t>28.01.26</a:t>
             </a:fld>
             <a:endParaRPr lang="de-AT"/>
           </a:p>
@@ -1172,8 +1172,8 @@
         </p:nvSpPr>
         <p:spPr>
           <a:xfrm>
-            <a:off x="457200" y="1600200"/>
-            <a:ext cx="4038600" cy="4525963"/>
+            <a:off x="609600" y="1600201"/>
+            <a:ext cx="5384800" cy="4525963"/>
           </a:xfrm>
         </p:spPr>
         <p:txBody>
@@ -1257,8 +1257,8 @@
         </p:nvSpPr>
         <p:spPr>
           <a:xfrm>
-            <a:off x="4648200" y="1600200"/>
-            <a:ext cx="4038600" cy="4525963"/>
+            <a:off x="6197600" y="1600201"/>
+            <a:ext cx="5384800" cy="4525963"/>
           </a:xfrm>
         </p:spPr>
         <p:txBody>
@@ -1348,7 +1348,7 @@
             <a:fld id="{80F9A3F1-91AA-4A03-9A50-C623FA2DD738}" type="datetimeFigureOut">
               <a:rPr lang="de-AT" smtClean="0"/>
               <a:pPr/>
-              <a:t>12.11.2021</a:t>
+              <a:t>28.01.26</a:t>
             </a:fld>
             <a:endParaRPr lang="de-AT"/>
           </a:p>
@@ -1461,8 +1461,8 @@
         </p:nvSpPr>
         <p:spPr>
           <a:xfrm>
-            <a:off x="457200" y="1535113"/>
-            <a:ext cx="4040188" cy="639762"/>
+            <a:off x="609600" y="1535113"/>
+            <a:ext cx="5386917" cy="639762"/>
           </a:xfrm>
         </p:spPr>
         <p:txBody>
@@ -1526,8 +1526,8 @@
         </p:nvSpPr>
         <p:spPr>
           <a:xfrm>
-            <a:off x="457200" y="2174875"/>
-            <a:ext cx="4040188" cy="3951288"/>
+            <a:off x="609600" y="2174875"/>
+            <a:ext cx="5386917" cy="3951288"/>
           </a:xfrm>
         </p:spPr>
         <p:txBody>
@@ -1611,8 +1611,8 @@
         </p:nvSpPr>
         <p:spPr>
           <a:xfrm>
-            <a:off x="4645025" y="1535113"/>
-            <a:ext cx="4041775" cy="639762"/>
+            <a:off x="6193368" y="1535113"/>
+            <a:ext cx="5389033" cy="639762"/>
           </a:xfrm>
         </p:spPr>
         <p:txBody>
@@ -1676,8 +1676,8 @@
         </p:nvSpPr>
         <p:spPr>
           <a:xfrm>
-            <a:off x="4645025" y="2174875"/>
-            <a:ext cx="4041775" cy="3951288"/>
+            <a:off x="6193368" y="2174875"/>
+            <a:ext cx="5389033" cy="3951288"/>
           </a:xfrm>
         </p:spPr>
         <p:txBody>
@@ -1767,7 +1767,7 @@
             <a:fld id="{80F9A3F1-91AA-4A03-9A50-C623FA2DD738}" type="datetimeFigureOut">
               <a:rPr lang="de-AT" smtClean="0"/>
               <a:pPr/>
-              <a:t>12.11.2021</a:t>
+              <a:t>28.01.26</a:t>
             </a:fld>
             <a:endParaRPr lang="de-AT"/>
           </a:p>
@@ -1882,7 +1882,7 @@
             <a:fld id="{80F9A3F1-91AA-4A03-9A50-C623FA2DD738}" type="datetimeFigureOut">
               <a:rPr lang="de-AT" smtClean="0"/>
               <a:pPr/>
-              <a:t>12.11.2021</a:t>
+              <a:t>28.01.26</a:t>
             </a:fld>
             <a:endParaRPr lang="de-AT"/>
           </a:p>
@@ -1974,7 +1974,7 @@
             <a:fld id="{80F9A3F1-91AA-4A03-9A50-C623FA2DD738}" type="datetimeFigureOut">
               <a:rPr lang="de-AT" smtClean="0"/>
               <a:pPr/>
-              <a:t>12.11.2021</a:t>
+              <a:t>28.01.26</a:t>
             </a:fld>
             <a:endParaRPr lang="de-AT"/>
           </a:p>
@@ -2060,8 +2060,8 @@
         </p:nvSpPr>
         <p:spPr>
           <a:xfrm>
-            <a:off x="457200" y="273050"/>
-            <a:ext cx="3008313" cy="1162050"/>
+            <a:off x="609601" y="273050"/>
+            <a:ext cx="4011084" cy="1162050"/>
           </a:xfrm>
         </p:spPr>
         <p:txBody>
@@ -2092,8 +2092,8 @@
         </p:nvSpPr>
         <p:spPr>
           <a:xfrm>
-            <a:off x="3575050" y="273050"/>
-            <a:ext cx="5111750" cy="5853113"/>
+            <a:off x="4766733" y="273051"/>
+            <a:ext cx="6815667" cy="5853113"/>
           </a:xfrm>
         </p:spPr>
         <p:txBody>
@@ -2177,8 +2177,8 @@
         </p:nvSpPr>
         <p:spPr>
           <a:xfrm>
-            <a:off x="457200" y="1435100"/>
-            <a:ext cx="3008313" cy="4691063"/>
+            <a:off x="609601" y="1435101"/>
+            <a:ext cx="4011084" cy="4691063"/>
           </a:xfrm>
         </p:spPr>
         <p:txBody>
@@ -2248,7 +2248,7 @@
             <a:fld id="{80F9A3F1-91AA-4A03-9A50-C623FA2DD738}" type="datetimeFigureOut">
               <a:rPr lang="de-AT" smtClean="0"/>
               <a:pPr/>
-              <a:t>12.11.2021</a:t>
+              <a:t>28.01.26</a:t>
             </a:fld>
             <a:endParaRPr lang="de-AT"/>
           </a:p>
@@ -2334,8 +2334,8 @@
         </p:nvSpPr>
         <p:spPr>
           <a:xfrm>
-            <a:off x="1792288" y="4800600"/>
-            <a:ext cx="5486400" cy="566738"/>
+            <a:off x="2389717" y="4800600"/>
+            <a:ext cx="7315200" cy="566738"/>
           </a:xfrm>
         </p:spPr>
         <p:txBody>
@@ -2366,8 +2366,8 @@
         </p:nvSpPr>
         <p:spPr>
           <a:xfrm>
-            <a:off x="1792288" y="612775"/>
-            <a:ext cx="5486400" cy="4114800"/>
+            <a:off x="2389717" y="612775"/>
+            <a:ext cx="7315200" cy="4114800"/>
           </a:xfrm>
         </p:spPr>
         <p:txBody>
@@ -2427,8 +2427,8 @@
         </p:nvSpPr>
         <p:spPr>
           <a:xfrm>
-            <a:off x="1792288" y="5367338"/>
-            <a:ext cx="5486400" cy="804862"/>
+            <a:off x="2389717" y="5367338"/>
+            <a:ext cx="7315200" cy="804862"/>
           </a:xfrm>
         </p:spPr>
         <p:txBody>
@@ -2498,7 +2498,7 @@
             <a:fld id="{80F9A3F1-91AA-4A03-9A50-C623FA2DD738}" type="datetimeFigureOut">
               <a:rPr lang="de-AT" smtClean="0"/>
               <a:pPr/>
-              <a:t>12.11.2021</a:t>
+              <a:t>28.01.26</a:t>
             </a:fld>
             <a:endParaRPr lang="de-AT"/>
           </a:p>
@@ -2589,8 +2589,8 @@
         </p:nvSpPr>
         <p:spPr>
           <a:xfrm>
-            <a:off x="457200" y="274638"/>
-            <a:ext cx="8229600" cy="1143000"/>
+            <a:off x="609600" y="274638"/>
+            <a:ext cx="10972800" cy="1143000"/>
           </a:xfrm>
           <a:prstGeom prst="rect">
             <a:avLst/>
@@ -2622,8 +2622,8 @@
         </p:nvSpPr>
         <p:spPr>
           <a:xfrm>
-            <a:off x="457200" y="1600200"/>
-            <a:ext cx="8229600" cy="4525963"/>
+            <a:off x="609600" y="1600201"/>
+            <a:ext cx="10972800" cy="4525963"/>
           </a:xfrm>
           <a:prstGeom prst="rect">
             <a:avLst/>
@@ -2684,8 +2684,8 @@
         </p:nvSpPr>
         <p:spPr>
           <a:xfrm>
-            <a:off x="457200" y="6356350"/>
-            <a:ext cx="2133600" cy="365125"/>
+            <a:off x="609600" y="6356351"/>
+            <a:ext cx="2844800" cy="365125"/>
           </a:xfrm>
           <a:prstGeom prst="rect">
             <a:avLst/>
@@ -2708,7 +2708,7 @@
             <a:fld id="{80F9A3F1-91AA-4A03-9A50-C623FA2DD738}" type="datetimeFigureOut">
               <a:rPr lang="de-AT" smtClean="0"/>
               <a:pPr/>
-              <a:t>12.11.2021</a:t>
+              <a:t>28.01.26</a:t>
             </a:fld>
             <a:endParaRPr lang="de-AT"/>
           </a:p>
@@ -2726,8 +2726,8 @@
         </p:nvSpPr>
         <p:spPr>
           <a:xfrm>
-            <a:off x="3124200" y="6356350"/>
-            <a:ext cx="2895600" cy="365125"/>
+            <a:off x="4165600" y="6356351"/>
+            <a:ext cx="3860800" cy="365125"/>
           </a:xfrm>
           <a:prstGeom prst="rect">
             <a:avLst/>
@@ -2763,8 +2763,8 @@
         </p:nvSpPr>
         <p:spPr>
           <a:xfrm>
-            <a:off x="6553200" y="6356350"/>
-            <a:ext cx="2133600" cy="365125"/>
+            <a:off x="8737600" y="6356351"/>
+            <a:ext cx="2844800" cy="365125"/>
           </a:xfrm>
           <a:prstGeom prst="rect">
             <a:avLst/>
@@ -3096,11 +3096,11 @@
           <a:p>
             <a:r>
               <a:rPr lang="de-AT" dirty="0"/>
-              <a:t>PEPPOL </a:t>
+              <a:t>Peppol </a:t>
             </a:r>
             <a:r>
               <a:rPr lang="de-AT" dirty="0" err="1"/>
-              <a:t>practical</a:t>
+              <a:t>Practical</a:t>
             </a:r>
             <a:endParaRPr lang="de-AT" dirty="0"/>
           </a:p>
@@ -3200,7 +3200,7 @@
         </p:nvSpPr>
         <p:spPr>
           <a:xfrm>
-            <a:off x="2411760" y="1556792"/>
+            <a:off x="3935760" y="1556792"/>
             <a:ext cx="3600400" cy="4248472"/>
           </a:xfrm>
           <a:prstGeom prst="rect">
@@ -3241,7 +3241,7 @@
         </p:nvSpPr>
         <p:spPr>
           <a:xfrm>
-            <a:off x="2771800" y="2204864"/>
+            <a:off x="4295800" y="2204864"/>
             <a:ext cx="2880320" cy="3257128"/>
           </a:xfrm>
           <a:prstGeom prst="rect">
@@ -3290,7 +3290,7 @@
         </p:nvSpPr>
         <p:spPr>
           <a:xfrm>
-            <a:off x="3203848" y="3068960"/>
+            <a:off x="4727848" y="3068960"/>
             <a:ext cx="2016224" cy="2016224"/>
           </a:xfrm>
           <a:prstGeom prst="rect">
@@ -3336,7 +3336,7 @@
         </p:nvSpPr>
         <p:spPr>
           <a:xfrm>
-            <a:off x="3347864" y="3573016"/>
+            <a:off x="4871864" y="3573016"/>
             <a:ext cx="1728192" cy="923330"/>
           </a:xfrm>
           <a:prstGeom prst="rect">
@@ -3439,7 +3439,7 @@
         </p:nvSpPr>
         <p:spPr>
           <a:xfrm>
-            <a:off x="1778018" y="1819342"/>
+            <a:off x="3302018" y="1819342"/>
             <a:ext cx="3600400" cy="4789688"/>
           </a:xfrm>
           <a:prstGeom prst="rect">
@@ -3489,37 +3489,15 @@
           <a:bodyPr rtlCol="0" anchor="t"/>
           <a:lstStyle/>
           <a:p>
-            <a:pPr marL="0" marR="0" lvl="0" indent="0" algn="ctr" defTabSz="914400" eaLnBrk="1" fontAlgn="auto" latinLnBrk="0" hangingPunct="1">
-              <a:lnSpc>
-                <a:spcPct val="100000"/>
-              </a:lnSpc>
-              <a:spcBef>
-                <a:spcPts val="0"/>
-              </a:spcBef>
-              <a:spcAft>
-                <a:spcPts val="0"/>
-              </a:spcAft>
-              <a:buClrTx/>
-              <a:buSzTx/>
-              <a:buFontTx/>
-              <a:buNone/>
-              <a:tabLst/>
+            <a:pPr algn="ctr">
               <a:defRPr/>
             </a:pPr>
             <a:r>
-              <a:rPr kumimoji="0" lang="de-AT" sz="1800" b="0" i="0" u="none" strike="noStrike" kern="0" cap="none" spc="0" normalizeH="0" baseline="0" noProof="0" dirty="0">
-                <a:ln>
-                  <a:noFill/>
-                </a:ln>
+              <a:rPr lang="de-AT" kern="0" dirty="0">
                 <a:solidFill>
                   <a:prstClr val="black"/>
                 </a:solidFill>
-                <a:effectLst/>
-                <a:uLnTx/>
-                <a:uFillTx/>
                 <a:latin typeface="Calibri"/>
-                <a:ea typeface="+mn-ea"/>
-                <a:cs typeface="+mn-cs"/>
               </a:rPr>
               <a:t>AS4 MIME Message</a:t>
             </a:r>
@@ -3540,7 +3518,7 @@
         </p:nvSpPr>
         <p:spPr>
           <a:xfrm>
-            <a:off x="2138058" y="4173627"/>
+            <a:off x="3662058" y="4173628"/>
             <a:ext cx="2880320" cy="2238635"/>
           </a:xfrm>
           <a:prstGeom prst="rect">
@@ -3590,71 +3568,33 @@
           <a:bodyPr rtlCol="0" anchor="t"/>
           <a:lstStyle/>
           <a:p>
-            <a:pPr marL="0" marR="0" lvl="0" indent="0" algn="ctr" defTabSz="914400" eaLnBrk="1" fontAlgn="auto" latinLnBrk="0" hangingPunct="1">
-              <a:lnSpc>
-                <a:spcPct val="100000"/>
-              </a:lnSpc>
-              <a:spcBef>
-                <a:spcPts val="0"/>
-              </a:spcBef>
-              <a:spcAft>
-                <a:spcPts val="0"/>
-              </a:spcAft>
-              <a:buClrTx/>
-              <a:buSzTx/>
-              <a:buFontTx/>
-              <a:buNone/>
-              <a:tabLst/>
+            <a:pPr algn="ctr">
               <a:defRPr/>
             </a:pPr>
             <a:r>
-              <a:rPr kumimoji="0" lang="de-AT" sz="1800" b="0" i="0" u="none" strike="noStrike" kern="0" cap="none" spc="0" normalizeH="0" baseline="0" noProof="0" dirty="0">
-                <a:ln>
-                  <a:noFill/>
-                </a:ln>
+              <a:rPr lang="de-AT" kern="0" dirty="0">
                 <a:solidFill>
                   <a:prstClr val="black"/>
                 </a:solidFill>
-                <a:effectLst/>
-                <a:uLnTx/>
-                <a:uFillTx/>
                 <a:latin typeface="Calibri"/>
-                <a:ea typeface="+mn-ea"/>
-                <a:cs typeface="+mn-cs"/>
               </a:rPr>
               <a:t>Standard Business </a:t>
             </a:r>
             <a:r>
-              <a:rPr kumimoji="0" lang="de-AT" sz="1800" b="0" i="0" u="none" strike="noStrike" kern="0" cap="none" spc="0" normalizeH="0" baseline="0" noProof="0" dirty="0" err="1">
-                <a:ln>
-                  <a:noFill/>
-                </a:ln>
+              <a:rPr lang="de-AT" kern="0" dirty="0" err="1">
                 <a:solidFill>
                   <a:prstClr val="black"/>
                 </a:solidFill>
-                <a:effectLst/>
-                <a:uLnTx/>
-                <a:uFillTx/>
                 <a:latin typeface="Calibri"/>
-                <a:ea typeface="+mn-ea"/>
-                <a:cs typeface="+mn-cs"/>
               </a:rPr>
               <a:t>Document</a:t>
             </a:r>
             <a:r>
-              <a:rPr kumimoji="0" lang="de-AT" sz="1800" b="0" i="0" u="none" strike="noStrike" kern="0" cap="none" spc="0" normalizeH="0" baseline="0" noProof="0" dirty="0">
-                <a:ln>
-                  <a:noFill/>
-                </a:ln>
+              <a:rPr lang="de-AT" kern="0" dirty="0">
                 <a:solidFill>
                   <a:prstClr val="black"/>
                 </a:solidFill>
-                <a:effectLst/>
-                <a:uLnTx/>
-                <a:uFillTx/>
                 <a:latin typeface="Calibri"/>
-                <a:ea typeface="+mn-ea"/>
-                <a:cs typeface="+mn-cs"/>
               </a:rPr>
               <a:t> Header</a:t>
             </a:r>
@@ -3675,7 +3615,7 @@
         </p:nvSpPr>
         <p:spPr>
           <a:xfrm>
-            <a:off x="2426090" y="4898379"/>
+            <a:off x="3950090" y="4898380"/>
             <a:ext cx="2304256" cy="1297859"/>
           </a:xfrm>
           <a:prstGeom prst="rect">
@@ -3725,157 +3665,67 @@
           <a:bodyPr rtlCol="0" anchor="t"/>
           <a:lstStyle/>
           <a:p>
-            <a:pPr marL="0" marR="0" lvl="0" indent="0" algn="ctr" defTabSz="914400" eaLnBrk="1" fontAlgn="auto" latinLnBrk="0" hangingPunct="1">
-              <a:lnSpc>
-                <a:spcPct val="100000"/>
-              </a:lnSpc>
-              <a:spcBef>
-                <a:spcPts val="0"/>
-              </a:spcBef>
-              <a:spcAft>
-                <a:spcPts val="0"/>
-              </a:spcAft>
-              <a:buClrTx/>
-              <a:buSzTx/>
-              <a:buFontTx/>
-              <a:buNone/>
-              <a:tabLst/>
+            <a:pPr algn="ctr">
               <a:defRPr/>
             </a:pPr>
             <a:r>
-              <a:rPr kumimoji="0" lang="de-AT" sz="1800" b="0" i="0" u="none" strike="noStrike" kern="0" cap="none" spc="0" normalizeH="0" baseline="0" noProof="0" dirty="0">
-                <a:ln>
-                  <a:noFill/>
-                </a:ln>
+              <a:rPr lang="de-AT" kern="0" dirty="0">
                 <a:solidFill>
                   <a:prstClr val="black"/>
                 </a:solidFill>
-                <a:effectLst/>
-                <a:uLnTx/>
-                <a:uFillTx/>
                 <a:latin typeface="Calibri"/>
-                <a:ea typeface="+mn-ea"/>
-                <a:cs typeface="+mn-cs"/>
               </a:rPr>
               <a:t>UBL-Dokument</a:t>
             </a:r>
           </a:p>
           <a:p>
-            <a:pPr marL="0" marR="0" lvl="0" indent="0" algn="ctr" defTabSz="914400" eaLnBrk="1" fontAlgn="auto" latinLnBrk="0" hangingPunct="1">
-              <a:lnSpc>
-                <a:spcPct val="100000"/>
-              </a:lnSpc>
-              <a:spcBef>
-                <a:spcPts val="0"/>
-              </a:spcBef>
-              <a:spcAft>
-                <a:spcPts val="0"/>
-              </a:spcAft>
-              <a:buClrTx/>
-              <a:buSzTx/>
-              <a:buFontTx/>
-              <a:buNone/>
-              <a:tabLst/>
+            <a:pPr algn="ctr">
               <a:defRPr/>
             </a:pPr>
-            <a:endParaRPr kumimoji="0" lang="de-AT" sz="1800" b="0" i="0" u="none" strike="noStrike" kern="0" cap="none" spc="0" normalizeH="0" baseline="0" noProof="0" dirty="0">
-              <a:ln>
-                <a:noFill/>
-              </a:ln>
+            <a:endParaRPr lang="de-AT" kern="0" dirty="0">
               <a:solidFill>
                 <a:prstClr val="black"/>
               </a:solidFill>
-              <a:effectLst/>
-              <a:uLnTx/>
-              <a:uFillTx/>
               <a:latin typeface="Calibri"/>
-              <a:ea typeface="+mn-ea"/>
-              <a:cs typeface="+mn-cs"/>
             </a:endParaRPr>
           </a:p>
           <a:p>
-            <a:pPr marL="0" marR="0" lvl="0" indent="0" defTabSz="914400" eaLnBrk="1" fontAlgn="auto" latinLnBrk="0" hangingPunct="1">
-              <a:lnSpc>
-                <a:spcPct val="100000"/>
-              </a:lnSpc>
-              <a:spcBef>
-                <a:spcPts val="0"/>
-              </a:spcBef>
-              <a:spcAft>
-                <a:spcPts val="0"/>
-              </a:spcAft>
-              <a:buClrTx/>
-              <a:buSzTx/>
-              <a:buFontTx/>
-              <a:buNone/>
-              <a:tabLst/>
+            <a:pPr>
               <a:defRPr/>
             </a:pPr>
             <a:r>
-              <a:rPr kumimoji="0" lang="de-AT" sz="1800" b="0" i="1" u="none" strike="noStrike" kern="0" cap="none" spc="0" normalizeH="0" baseline="0" noProof="0" dirty="0" err="1">
-                <a:ln>
-                  <a:noFill/>
-                </a:ln>
+              <a:rPr lang="de-AT" i="1" kern="0" dirty="0" err="1">
                 <a:solidFill>
                   <a:prstClr val="black"/>
                 </a:solidFill>
-                <a:effectLst/>
-                <a:uLnTx/>
-                <a:uFillTx/>
                 <a:latin typeface="Calibri"/>
-                <a:ea typeface="+mn-ea"/>
-                <a:cs typeface="+mn-cs"/>
               </a:rPr>
               <a:t>Invoice</a:t>
             </a:r>
             <a:r>
-              <a:rPr kumimoji="0" lang="de-AT" sz="1800" b="0" i="1" u="none" strike="noStrike" kern="0" cap="none" spc="0" normalizeH="0" baseline="0" noProof="0" dirty="0">
-                <a:ln>
-                  <a:noFill/>
-                </a:ln>
+              <a:rPr lang="de-AT" i="1" kern="0" dirty="0">
                 <a:solidFill>
                   <a:prstClr val="black"/>
                 </a:solidFill>
-                <a:effectLst/>
-                <a:uLnTx/>
-                <a:uFillTx/>
                 <a:latin typeface="Calibri"/>
-                <a:ea typeface="+mn-ea"/>
-                <a:cs typeface="+mn-cs"/>
               </a:rPr>
               <a:t>, Order, </a:t>
             </a:r>
             <a:r>
-              <a:rPr kumimoji="0" lang="de-AT" sz="1800" b="0" i="1" u="none" strike="noStrike" kern="0" cap="none" spc="0" normalizeH="0" baseline="0" noProof="0" dirty="0" err="1">
-                <a:ln>
-                  <a:noFill/>
-                </a:ln>
+              <a:rPr lang="de-AT" i="1" kern="0" dirty="0" err="1">
                 <a:solidFill>
                   <a:prstClr val="black"/>
                 </a:solidFill>
-                <a:effectLst/>
-                <a:uLnTx/>
-                <a:uFillTx/>
                 <a:latin typeface="Calibri"/>
-                <a:ea typeface="+mn-ea"/>
-                <a:cs typeface="+mn-cs"/>
               </a:rPr>
               <a:t>DespatchAdvice</a:t>
             </a:r>
             <a:r>
-              <a:rPr kumimoji="0" lang="de-AT" sz="1800" b="0" i="1" u="none" strike="noStrike" kern="0" cap="none" spc="0" normalizeH="0" baseline="0" noProof="0" dirty="0">
-                <a:ln>
-                  <a:noFill/>
-                </a:ln>
+              <a:rPr lang="de-AT" i="1" kern="0" dirty="0">
                 <a:solidFill>
                   <a:prstClr val="black"/>
                 </a:solidFill>
-                <a:effectLst/>
-                <a:uLnTx/>
-                <a:uFillTx/>
                 <a:latin typeface="Calibri"/>
-                <a:ea typeface="+mn-ea"/>
-                <a:cs typeface="+mn-cs"/>
               </a:rPr>
               <a:t> etc.</a:t>
             </a:r>
@@ -3896,7 +3746,7 @@
         </p:nvSpPr>
         <p:spPr>
           <a:xfrm>
-            <a:off x="2137409" y="2246439"/>
+            <a:off x="3661409" y="2246439"/>
             <a:ext cx="2880320" cy="1798534"/>
           </a:xfrm>
           <a:prstGeom prst="rect">
@@ -3946,37 +3796,15 @@
           <a:bodyPr rtlCol="0" anchor="t"/>
           <a:lstStyle/>
           <a:p>
-            <a:pPr marL="0" marR="0" lvl="0" indent="0" algn="ctr" defTabSz="914400" eaLnBrk="1" fontAlgn="auto" latinLnBrk="0" hangingPunct="1">
-              <a:lnSpc>
-                <a:spcPct val="100000"/>
-              </a:lnSpc>
-              <a:spcBef>
-                <a:spcPts val="0"/>
-              </a:spcBef>
-              <a:spcAft>
-                <a:spcPts val="0"/>
-              </a:spcAft>
-              <a:buClrTx/>
-              <a:buSzTx/>
-              <a:buFontTx/>
-              <a:buNone/>
-              <a:tabLst/>
+            <a:pPr algn="ctr">
               <a:defRPr/>
             </a:pPr>
             <a:r>
-              <a:rPr kumimoji="0" lang="de-AT" sz="1800" b="0" i="0" u="none" strike="noStrike" kern="0" cap="none" spc="0" normalizeH="0" baseline="0" noProof="0" dirty="0">
-                <a:ln>
-                  <a:noFill/>
-                </a:ln>
+              <a:rPr lang="de-AT" kern="0" dirty="0">
                 <a:solidFill>
                   <a:prstClr val="black"/>
                 </a:solidFill>
-                <a:effectLst/>
-                <a:uLnTx/>
-                <a:uFillTx/>
                 <a:latin typeface="Calibri"/>
-                <a:ea typeface="+mn-ea"/>
-                <a:cs typeface="+mn-cs"/>
               </a:rPr>
               <a:t>SOAP Message</a:t>
             </a:r>
@@ -3997,7 +3825,7 @@
         </p:nvSpPr>
         <p:spPr>
           <a:xfrm>
-            <a:off x="2426090" y="2616187"/>
+            <a:off x="3950090" y="2616188"/>
             <a:ext cx="2304256" cy="530867"/>
           </a:xfrm>
           <a:prstGeom prst="rect">
@@ -4047,53 +3875,23 @@
           <a:bodyPr rtlCol="0" anchor="ctr"/>
           <a:lstStyle/>
           <a:p>
-            <a:pPr marL="0" marR="0" lvl="0" indent="0" algn="ctr" defTabSz="914400" eaLnBrk="1" fontAlgn="auto" latinLnBrk="0" hangingPunct="1">
-              <a:lnSpc>
-                <a:spcPct val="100000"/>
-              </a:lnSpc>
-              <a:spcBef>
-                <a:spcPts val="0"/>
-              </a:spcBef>
-              <a:spcAft>
-                <a:spcPts val="0"/>
-              </a:spcAft>
-              <a:buClrTx/>
-              <a:buSzTx/>
-              <a:buFontTx/>
-              <a:buNone/>
-              <a:tabLst/>
+            <a:pPr algn="ctr">
               <a:defRPr/>
             </a:pPr>
             <a:r>
-              <a:rPr kumimoji="0" lang="de-AT" sz="1800" b="0" i="0" u="none" strike="noStrike" kern="0" cap="none" spc="0" normalizeH="0" baseline="0" noProof="0" dirty="0">
-                <a:ln>
-                  <a:noFill/>
-                </a:ln>
+              <a:rPr lang="de-AT" kern="0" dirty="0">
                 <a:solidFill>
                   <a:prstClr val="black"/>
                 </a:solidFill>
-                <a:effectLst/>
-                <a:uLnTx/>
-                <a:uFillTx/>
                 <a:latin typeface="Calibri"/>
-                <a:ea typeface="+mn-ea"/>
-                <a:cs typeface="+mn-cs"/>
               </a:rPr>
               <a:t>WS Security Header</a:t>
             </a:r>
-            <a:endParaRPr kumimoji="0" lang="de-AT" sz="1800" b="0" i="1" u="none" strike="noStrike" kern="0" cap="none" spc="0" normalizeH="0" baseline="0" noProof="0" dirty="0">
-              <a:ln>
-                <a:noFill/>
-              </a:ln>
+            <a:endParaRPr lang="de-AT" i="1" kern="0" dirty="0">
               <a:solidFill>
                 <a:prstClr val="black"/>
               </a:solidFill>
-              <a:effectLst/>
-              <a:uLnTx/>
-              <a:uFillTx/>
               <a:latin typeface="Calibri"/>
-              <a:ea typeface="+mn-ea"/>
-              <a:cs typeface="+mn-cs"/>
             </a:endParaRPr>
           </a:p>
         </p:txBody>
@@ -4112,7 +3910,7 @@
         </p:nvSpPr>
         <p:spPr>
           <a:xfrm>
-            <a:off x="2425441" y="3308717"/>
+            <a:off x="3949441" y="3308718"/>
             <a:ext cx="2304256" cy="530867"/>
           </a:xfrm>
           <a:prstGeom prst="rect">
@@ -4162,70 +3960,32 @@
           <a:bodyPr rtlCol="0" anchor="ctr"/>
           <a:lstStyle/>
           <a:p>
-            <a:pPr marL="0" marR="0" lvl="0" indent="0" algn="ctr" defTabSz="914400" eaLnBrk="1" fontAlgn="auto" latinLnBrk="0" hangingPunct="1">
-              <a:lnSpc>
-                <a:spcPct val="100000"/>
-              </a:lnSpc>
-              <a:spcBef>
-                <a:spcPts val="0"/>
-              </a:spcBef>
-              <a:spcAft>
-                <a:spcPts val="0"/>
-              </a:spcAft>
-              <a:buClrTx/>
-              <a:buSzTx/>
-              <a:buFontTx/>
-              <a:buNone/>
-              <a:tabLst/>
+            <a:pPr algn="ctr">
               <a:defRPr/>
             </a:pPr>
             <a:r>
-              <a:rPr kumimoji="0" lang="de-AT" sz="1800" b="0" i="0" u="none" strike="noStrike" kern="0" cap="none" spc="0" normalizeH="0" baseline="0" noProof="0" dirty="0">
-                <a:ln>
-                  <a:noFill/>
-                </a:ln>
+              <a:rPr lang="de-AT" kern="0" dirty="0">
                 <a:solidFill>
                   <a:prstClr val="black"/>
                 </a:solidFill>
-                <a:effectLst/>
-                <a:uLnTx/>
-                <a:uFillTx/>
                 <a:latin typeface="Calibri"/>
-                <a:ea typeface="+mn-ea"/>
-                <a:cs typeface="+mn-cs"/>
               </a:rPr>
               <a:t>AS4 </a:t>
             </a:r>
             <a:r>
-              <a:rPr kumimoji="0" lang="de-AT" sz="1800" b="0" i="0" u="none" strike="noStrike" kern="0" cap="none" spc="0" normalizeH="0" baseline="0" noProof="0" dirty="0" err="1">
-                <a:ln>
-                  <a:noFill/>
-                </a:ln>
+              <a:rPr lang="de-AT" kern="0" dirty="0" err="1">
                 <a:solidFill>
                   <a:prstClr val="black"/>
                 </a:solidFill>
-                <a:effectLst/>
-                <a:uLnTx/>
-                <a:uFillTx/>
                 <a:latin typeface="Calibri"/>
-                <a:ea typeface="+mn-ea"/>
-                <a:cs typeface="+mn-cs"/>
               </a:rPr>
               <a:t>UserMessage</a:t>
             </a:r>
-            <a:endParaRPr kumimoji="0" lang="de-AT" sz="1800" b="0" i="1" u="none" strike="noStrike" kern="0" cap="none" spc="0" normalizeH="0" baseline="0" noProof="0" dirty="0">
-              <a:ln>
-                <a:noFill/>
-              </a:ln>
+            <a:endParaRPr lang="de-AT" i="1" kern="0" dirty="0">
               <a:solidFill>
                 <a:prstClr val="black"/>
               </a:solidFill>
-              <a:effectLst/>
-              <a:uLnTx/>
-              <a:uFillTx/>
               <a:latin typeface="Calibri"/>
-              <a:ea typeface="+mn-ea"/>
-              <a:cs typeface="+mn-cs"/>
             </a:endParaRPr>
           </a:p>
         </p:txBody>
@@ -4268,7 +4028,7 @@
         </p:nvSpPr>
         <p:spPr>
           <a:xfrm>
-            <a:off x="1835696" y="2312272"/>
+            <a:off x="3359697" y="2312272"/>
             <a:ext cx="1296145" cy="576064"/>
           </a:xfrm>
           <a:prstGeom prst="rect">
@@ -4408,7 +4168,7 @@
         </p:nvSpPr>
         <p:spPr>
           <a:xfrm>
-            <a:off x="3275856" y="3680424"/>
+            <a:off x="4799857" y="3680424"/>
             <a:ext cx="1296145" cy="576064"/>
           </a:xfrm>
           <a:prstGeom prst="rect">
@@ -4575,7 +4335,7 @@
         </p:nvSpPr>
         <p:spPr>
           <a:xfrm>
-            <a:off x="1835696" y="3680424"/>
+            <a:off x="3359697" y="3680424"/>
             <a:ext cx="1296145" cy="576064"/>
           </a:xfrm>
           <a:prstGeom prst="rect">
@@ -4715,7 +4475,7 @@
         </p:nvSpPr>
         <p:spPr>
           <a:xfrm>
-            <a:off x="395536" y="3680424"/>
+            <a:off x="1919537" y="3680424"/>
             <a:ext cx="1296145" cy="576064"/>
           </a:xfrm>
           <a:prstGeom prst="rect">
@@ -4858,7 +4618,7 @@
         </p:nvCxnSpPr>
         <p:spPr>
           <a:xfrm rot="5400000">
-            <a:off x="1367645" y="2564300"/>
+            <a:off x="2891645" y="2564300"/>
             <a:ext cx="792088" cy="1440160"/>
           </a:xfrm>
           <a:prstGeom prst="bentConnector3">
@@ -4891,7 +4651,7 @@
         </p:nvCxnSpPr>
         <p:spPr>
           <a:xfrm rot="16200000" flipH="1">
-            <a:off x="2807805" y="2564300"/>
+            <a:off x="4331805" y="2564300"/>
             <a:ext cx="792088" cy="1440160"/>
           </a:xfrm>
           <a:prstGeom prst="bentConnector3">
@@ -4924,7 +4684,7 @@
         </p:nvCxnSpPr>
         <p:spPr>
           <a:xfrm>
-            <a:off x="2483769" y="2888336"/>
+            <a:off x="4007769" y="2888336"/>
             <a:ext cx="0" cy="792088"/>
           </a:xfrm>
           <a:prstGeom prst="straightConnector1">
@@ -4952,7 +4712,7 @@
         </p:nvSpPr>
         <p:spPr>
           <a:xfrm>
-            <a:off x="395536" y="4653136"/>
+            <a:off x="1919537" y="4653136"/>
             <a:ext cx="1296145" cy="576064"/>
           </a:xfrm>
           <a:prstGeom prst="rect">
@@ -5097,7 +4857,7 @@
         </p:nvSpPr>
         <p:spPr>
           <a:xfrm>
-            <a:off x="1835696" y="4653136"/>
+            <a:off x="3359697" y="4653136"/>
             <a:ext cx="1296145" cy="576064"/>
           </a:xfrm>
           <a:prstGeom prst="rect">
@@ -5245,7 +5005,7 @@
         </p:nvCxnSpPr>
         <p:spPr>
           <a:xfrm>
-            <a:off x="1043609" y="4256488"/>
+            <a:off x="2567609" y="4256488"/>
             <a:ext cx="0" cy="396648"/>
           </a:xfrm>
           <a:prstGeom prst="straightConnector1">
@@ -5281,7 +5041,7 @@
         </p:nvCxnSpPr>
         <p:spPr>
           <a:xfrm>
-            <a:off x="2483769" y="4256488"/>
+            <a:off x="4007769" y="4256488"/>
             <a:ext cx="0" cy="396648"/>
           </a:xfrm>
           <a:prstGeom prst="straightConnector1">
@@ -5314,7 +5074,7 @@
         </p:nvSpPr>
         <p:spPr>
           <a:xfrm>
-            <a:off x="6156177" y="2302101"/>
+            <a:off x="7680178" y="2302101"/>
             <a:ext cx="1296145" cy="576064"/>
           </a:xfrm>
           <a:prstGeom prst="rect">
@@ -5472,7 +5232,7 @@
         </p:nvSpPr>
         <p:spPr>
           <a:xfrm>
-            <a:off x="7596336" y="3670253"/>
+            <a:off x="9120337" y="3670253"/>
             <a:ext cx="1296145" cy="576064"/>
           </a:xfrm>
           <a:prstGeom prst="rect">
@@ -5657,7 +5417,7 @@
         </p:nvSpPr>
         <p:spPr>
           <a:xfrm>
-            <a:off x="6156177" y="3670253"/>
+            <a:off x="7680178" y="3670253"/>
             <a:ext cx="1296145" cy="576064"/>
           </a:xfrm>
           <a:prstGeom prst="rect">
@@ -5815,7 +5575,7 @@
         </p:nvSpPr>
         <p:spPr>
           <a:xfrm>
-            <a:off x="4716017" y="3670253"/>
+            <a:off x="6240018" y="3670253"/>
             <a:ext cx="1296145" cy="576064"/>
           </a:xfrm>
           <a:prstGeom prst="rect">
@@ -5976,7 +5736,7 @@
         </p:nvCxnSpPr>
         <p:spPr>
           <a:xfrm rot="5400000">
-            <a:off x="5688126" y="2554129"/>
+            <a:off x="7212126" y="2554129"/>
             <a:ext cx="792088" cy="1440160"/>
           </a:xfrm>
           <a:prstGeom prst="bentConnector3">
@@ -6009,7 +5769,7 @@
         </p:nvCxnSpPr>
         <p:spPr>
           <a:xfrm rot="16200000" flipH="1">
-            <a:off x="7128285" y="2554129"/>
+            <a:off x="8652285" y="2554130"/>
             <a:ext cx="792088" cy="1440159"/>
           </a:xfrm>
           <a:prstGeom prst="bentConnector3">
@@ -6042,7 +5802,7 @@
         </p:nvCxnSpPr>
         <p:spPr>
           <a:xfrm>
-            <a:off x="6804250" y="2878165"/>
+            <a:off x="8328250" y="2878165"/>
             <a:ext cx="0" cy="792088"/>
           </a:xfrm>
           <a:prstGeom prst="straightConnector1">
@@ -6070,7 +5830,7 @@
         </p:nvSpPr>
         <p:spPr>
           <a:xfrm>
-            <a:off x="4716017" y="4642965"/>
+            <a:off x="6240018" y="4642965"/>
             <a:ext cx="1296145" cy="576064"/>
           </a:xfrm>
           <a:prstGeom prst="rect">
@@ -6233,7 +5993,7 @@
         </p:nvSpPr>
         <p:spPr>
           <a:xfrm>
-            <a:off x="6156177" y="4642965"/>
+            <a:off x="7680178" y="4642965"/>
             <a:ext cx="1296145" cy="576064"/>
           </a:xfrm>
           <a:prstGeom prst="rect">
@@ -6399,7 +6159,7 @@
         </p:nvCxnSpPr>
         <p:spPr>
           <a:xfrm>
-            <a:off x="5364090" y="4246317"/>
+            <a:off x="6888090" y="4246317"/>
             <a:ext cx="0" cy="396648"/>
           </a:xfrm>
           <a:prstGeom prst="straightConnector1">
@@ -6435,7 +6195,7 @@
         </p:nvCxnSpPr>
         <p:spPr>
           <a:xfrm>
-            <a:off x="6804250" y="4246317"/>
+            <a:off x="8328250" y="4246317"/>
             <a:ext cx="0" cy="396648"/>
           </a:xfrm>
           <a:prstGeom prst="straightConnector1">
@@ -6520,7 +6280,7 @@
         </p:nvSpPr>
         <p:spPr>
           <a:xfrm>
-            <a:off x="2267743" y="2312272"/>
+            <a:off x="3791744" y="2312272"/>
             <a:ext cx="1296145" cy="576064"/>
           </a:xfrm>
           <a:prstGeom prst="rect">
@@ -6660,7 +6420,7 @@
         </p:nvSpPr>
         <p:spPr>
           <a:xfrm>
-            <a:off x="2987824" y="3680424"/>
+            <a:off x="4511825" y="3680424"/>
             <a:ext cx="1296145" cy="576064"/>
           </a:xfrm>
           <a:prstGeom prst="rect">
@@ -6800,7 +6560,7 @@
         </p:nvSpPr>
         <p:spPr>
           <a:xfrm>
-            <a:off x="1547664" y="3680424"/>
+            <a:off x="3071665" y="3680424"/>
             <a:ext cx="1296145" cy="576064"/>
           </a:xfrm>
           <a:prstGeom prst="rect">
@@ -6943,7 +6703,7 @@
         </p:nvCxnSpPr>
         <p:spPr>
           <a:xfrm rot="5400000">
-            <a:off x="2159733" y="2924341"/>
+            <a:off x="3683733" y="2924342"/>
             <a:ext cx="792088" cy="720079"/>
           </a:xfrm>
           <a:prstGeom prst="bentConnector3">
@@ -6976,7 +6736,7 @@
         </p:nvCxnSpPr>
         <p:spPr>
           <a:xfrm rot="16200000" flipH="1">
-            <a:off x="2879812" y="2924339"/>
+            <a:off x="4403812" y="2924340"/>
             <a:ext cx="792088" cy="720081"/>
           </a:xfrm>
           <a:prstGeom prst="bentConnector3">
@@ -7006,7 +6766,7 @@
         </p:nvSpPr>
         <p:spPr>
           <a:xfrm>
-            <a:off x="1547664" y="4653136"/>
+            <a:off x="3071665" y="4653136"/>
             <a:ext cx="1296145" cy="576064"/>
           </a:xfrm>
           <a:prstGeom prst="rect">
@@ -7151,7 +6911,7 @@
         </p:nvSpPr>
         <p:spPr>
           <a:xfrm>
-            <a:off x="2987824" y="4653136"/>
+            <a:off x="4511825" y="4653136"/>
             <a:ext cx="1296145" cy="576064"/>
           </a:xfrm>
           <a:prstGeom prst="rect">
@@ -7299,7 +7059,7 @@
         </p:nvCxnSpPr>
         <p:spPr>
           <a:xfrm>
-            <a:off x="2195737" y="4256488"/>
+            <a:off x="3719737" y="4256488"/>
             <a:ext cx="0" cy="396648"/>
           </a:xfrm>
           <a:prstGeom prst="straightConnector1">
@@ -7335,7 +7095,7 @@
         </p:nvCxnSpPr>
         <p:spPr>
           <a:xfrm>
-            <a:off x="3635897" y="4256488"/>
+            <a:off x="5159897" y="4256488"/>
             <a:ext cx="0" cy="396648"/>
           </a:xfrm>
           <a:prstGeom prst="straightConnector1">
@@ -7368,7 +7128,7 @@
         </p:nvSpPr>
         <p:spPr>
           <a:xfrm>
-            <a:off x="5436095" y="2302101"/>
+            <a:off x="6960096" y="2302101"/>
             <a:ext cx="1296145" cy="576064"/>
           </a:xfrm>
           <a:prstGeom prst="rect">
@@ -7526,7 +7286,7 @@
         </p:nvSpPr>
         <p:spPr>
           <a:xfrm>
-            <a:off x="6156177" y="3670253"/>
+            <a:off x="7680178" y="3670253"/>
             <a:ext cx="1296145" cy="576064"/>
           </a:xfrm>
           <a:prstGeom prst="rect">
@@ -7684,7 +7444,7 @@
         </p:nvSpPr>
         <p:spPr>
           <a:xfrm>
-            <a:off x="4716017" y="3670253"/>
+            <a:off x="6240018" y="3670253"/>
             <a:ext cx="1296145" cy="576064"/>
           </a:xfrm>
           <a:prstGeom prst="rect">
@@ -7845,7 +7605,7 @@
         </p:nvCxnSpPr>
         <p:spPr>
           <a:xfrm rot="5400000">
-            <a:off x="5328085" y="2914170"/>
+            <a:off x="6852085" y="2914170"/>
             <a:ext cx="792088" cy="720078"/>
           </a:xfrm>
           <a:prstGeom prst="bentConnector3">
@@ -7878,7 +7638,7 @@
         </p:nvCxnSpPr>
         <p:spPr>
           <a:xfrm rot="16200000" flipH="1">
-            <a:off x="6048165" y="2914168"/>
+            <a:off x="7572165" y="2914168"/>
             <a:ext cx="792088" cy="720082"/>
           </a:xfrm>
           <a:prstGeom prst="bentConnector3">
@@ -7908,7 +7668,7 @@
         </p:nvSpPr>
         <p:spPr>
           <a:xfrm>
-            <a:off x="4716017" y="4642965"/>
+            <a:off x="6240018" y="4642965"/>
             <a:ext cx="1296145" cy="576064"/>
           </a:xfrm>
           <a:prstGeom prst="rect">
@@ -8071,7 +7831,7 @@
         </p:nvSpPr>
         <p:spPr>
           <a:xfrm>
-            <a:off x="6156177" y="4642965"/>
+            <a:off x="7680178" y="4642965"/>
             <a:ext cx="1296145" cy="576064"/>
           </a:xfrm>
           <a:prstGeom prst="rect">
@@ -8237,7 +7997,7 @@
         </p:nvCxnSpPr>
         <p:spPr>
           <a:xfrm>
-            <a:off x="5364090" y="4246317"/>
+            <a:off x="6888090" y="4246317"/>
             <a:ext cx="0" cy="396648"/>
           </a:xfrm>
           <a:prstGeom prst="straightConnector1">
@@ -8273,7 +8033,7 @@
         </p:nvCxnSpPr>
         <p:spPr>
           <a:xfrm>
-            <a:off x="6804250" y="4246317"/>
+            <a:off x="8328250" y="4246317"/>
             <a:ext cx="0" cy="396648"/>
           </a:xfrm>
           <a:prstGeom prst="straightConnector1">
